--- a/Sensitivity analysis/SensitivityAnalysis02_CDC.pptx
+++ b/Sensitivity analysis/SensitivityAnalysis02_CDC.pptx
@@ -159,20 +159,6 @@
 </p:cmAuthorLst>
 </file>
 
-<file path=ppt/comments/comment1.xml><?xml version="1.0" encoding="utf-8"?>
-<p:cmLst xmlns:a="http://schemas.openxmlformats.org/drawingml/2006/main" xmlns:r="http://schemas.openxmlformats.org/officeDocument/2006/relationships" xmlns:p="http://schemas.openxmlformats.org/presentationml/2006/main">
-  <p:cm authorId="1" dt="2019-07-10T10:13:39.096" idx="3">
-    <p:pos x="10" y="10"/>
-    <p:text>Fix typos in the transition matrix. Should be HSD by HSD instead of SPD. </p:text>
-    <p:extLst>
-      <p:ext uri="{C676402C-5697-4E1C-873F-D02D1690AC5C}">
-        <p15:threadingInfo xmlns:p15="http://schemas.microsoft.com/office/powerpoint/2012/main" timeZoneBias="300"/>
-      </p:ext>
-    </p:extLst>
-  </p:cm>
-</p:cmLst>
-</file>
-
 <file path=ppt/notesMasters/notesMaster1.xml><?xml version="1.0" encoding="utf-8"?>
 <p:notesMaster xmlns:a="http://schemas.openxmlformats.org/drawingml/2006/main" xmlns:r="http://schemas.openxmlformats.org/officeDocument/2006/relationships" xmlns:p="http://schemas.openxmlformats.org/presentationml/2006/main">
   <p:cSld>
@@ -255,7 +241,7 @@
           <a:p>
             <a:fld id="{80022054-F6B9-B04E-9F80-BE6C2BED9348}" type="datetimeFigureOut">
               <a:rPr lang="en-US" smtClean="0"/>
-              <a:t>11/5/2020</a:t>
+              <a:t>2020-11-05</a:t>
             </a:fld>
             <a:endParaRPr lang="en-US"/>
           </a:p>
@@ -3045,10 +3031,10 @@
               <a:buNone/>
             </a:pPr>
             <a:r>
-              <a:rPr lang="nl-NL"/>
+              <a:rPr lang="nl-NL" dirty="0"/>
               <a:t>Who is familiar with basic matrix calculations?</a:t>
             </a:r>
-            <a:endParaRPr/>
+            <a:endParaRPr dirty="0"/>
           </a:p>
           <a:p>
             <a:pPr marL="0" lvl="0" indent="0" rtl="0">
@@ -3061,10 +3047,10 @@
               <a:buNone/>
             </a:pPr>
             <a:r>
-              <a:rPr lang="nl-NL"/>
+              <a:rPr lang="nl-NL" dirty="0"/>
               <a:t>-&gt; Inner product</a:t>
             </a:r>
-            <a:endParaRPr/>
+            <a:endParaRPr dirty="0"/>
           </a:p>
         </p:txBody>
       </p:sp>
@@ -3701,7 +3687,7 @@
           <a:p>
             <a:fld id="{DD3575FE-2CC2-2845-A91B-203C440E7198}" type="datetimeFigureOut">
               <a:rPr lang="en-US" smtClean="0"/>
-              <a:t>11/5/2020</a:t>
+              <a:t>2020-11-05</a:t>
             </a:fld>
             <a:endParaRPr lang="en-US"/>
           </a:p>
@@ -4034,7 +4020,7 @@
           <a:p>
             <a:fld id="{DD3575FE-2CC2-2845-A91B-203C440E7198}" type="datetimeFigureOut">
               <a:rPr lang="en-US" smtClean="0"/>
-              <a:t>11/5/2020</a:t>
+              <a:t>2020-11-05</a:t>
             </a:fld>
             <a:endParaRPr lang="en-US"/>
           </a:p>
@@ -4218,7 +4204,7 @@
           <a:p>
             <a:fld id="{DD3575FE-2CC2-2845-A91B-203C440E7198}" type="datetimeFigureOut">
               <a:rPr lang="en-US" smtClean="0"/>
-              <a:t>11/5/2020</a:t>
+              <a:t>2020-11-05</a:t>
             </a:fld>
             <a:endParaRPr lang="en-US"/>
           </a:p>
@@ -4408,7 +4394,7 @@
           <a:p>
             <a:fld id="{DD3575FE-2CC2-2845-A91B-203C440E7198}" type="datetimeFigureOut">
               <a:rPr lang="en-US" smtClean="0"/>
-              <a:t>11/5/2020</a:t>
+              <a:t>2020-11-05</a:t>
             </a:fld>
             <a:endParaRPr lang="en-US"/>
           </a:p>
@@ -4560,7 +4546,7 @@
           <a:p>
             <a:fld id="{DD3575FE-2CC2-2845-A91B-203C440E7198}" type="datetimeFigureOut">
               <a:rPr lang="en-US" smtClean="0"/>
-              <a:t>11/5/2020</a:t>
+              <a:t>2020-11-05</a:t>
             </a:fld>
             <a:endParaRPr lang="en-US"/>
           </a:p>
@@ -4651,7 +4637,7 @@
           <a:p>
             <a:fld id="{DD3575FE-2CC2-2845-A91B-203C440E7198}" type="datetimeFigureOut">
               <a:rPr lang="en-US" smtClean="0"/>
-              <a:t>11/5/2020</a:t>
+              <a:t>2020-11-05</a:t>
             </a:fld>
             <a:endParaRPr lang="en-US"/>
           </a:p>
@@ -4689,7 +4675,7 @@
           <a:noFill/>
           <a:extLst>
             <a:ext uri="{909E8E84-426E-40dd-AFC4-6F175D3DCCD1}">
-              <a14:hiddenFill xmlns="" xmlns:a14="http://schemas.microsoft.com/office/drawing/2010/main">
+              <a14:hiddenFill xmlns:a14="http://schemas.microsoft.com/office/drawing/2010/main" xmlns="">
                 <a:solidFill>
                   <a:srgbClr val="FFFFFF"/>
                 </a:solidFill>
@@ -4730,7 +4716,7 @@
           <a:noFill/>
           <a:extLst>
             <a:ext uri="{909E8E84-426E-40dd-AFC4-6F175D3DCCD1}">
-              <a14:hiddenFill xmlns="" xmlns:a14="http://schemas.microsoft.com/office/drawing/2010/main">
+              <a14:hiddenFill xmlns:a14="http://schemas.microsoft.com/office/drawing/2010/main" xmlns="">
                 <a:solidFill>
                   <a:srgbClr val="FFFFFF"/>
                 </a:solidFill>
@@ -7171,7 +7157,7 @@
           <a:noFill/>
           <a:extLst>
             <a:ext uri="{909E8E84-426E-40dd-AFC4-6F175D3DCCD1}">
-              <a14:hiddenFill xmlns="" xmlns:a14="http://schemas.microsoft.com/office/drawing/2010/main">
+              <a14:hiddenFill xmlns:a14="http://schemas.microsoft.com/office/drawing/2010/main" xmlns="">
                 <a:solidFill>
                   <a:srgbClr val="FFFFFF"/>
                 </a:solidFill>
@@ -7210,7 +7196,7 @@
           <a:noFill/>
           <a:extLst>
             <a:ext uri="{909E8E84-426E-40dd-AFC4-6F175D3DCCD1}">
-              <a14:hiddenFill xmlns="" xmlns:a14="http://schemas.microsoft.com/office/drawing/2010/main">
+              <a14:hiddenFill xmlns:a14="http://schemas.microsoft.com/office/drawing/2010/main" xmlns="">
                 <a:solidFill>
                   <a:srgbClr val="FFFFFF"/>
                 </a:solidFill>
@@ -7305,7 +7291,7 @@
           <a:noFill/>
           <a:extLst>
             <a:ext uri="{909E8E84-426E-40dd-AFC4-6F175D3DCCD1}">
-              <a14:hiddenFill xmlns="" xmlns:a14="http://schemas.microsoft.com/office/drawing/2010/main">
+              <a14:hiddenFill xmlns:a14="http://schemas.microsoft.com/office/drawing/2010/main" xmlns="">
                 <a:solidFill>
                   <a:srgbClr val="FFFFFF"/>
                 </a:solidFill>
@@ -7346,7 +7332,7 @@
           <a:noFill/>
           <a:extLst>
             <a:ext uri="{909E8E84-426E-40dd-AFC4-6F175D3DCCD1}">
-              <a14:hiddenFill xmlns="" xmlns:a14="http://schemas.microsoft.com/office/drawing/2010/main">
+              <a14:hiddenFill xmlns:a14="http://schemas.microsoft.com/office/drawing/2010/main" xmlns="">
                 <a:solidFill>
                   <a:srgbClr val="FFFFFF"/>
                 </a:solidFill>
@@ -7391,14 +7377,14 @@
           <a:effectLst/>
           <a:extLst>
             <a:ext uri="{909E8E84-426E-40dd-AFC4-6F175D3DCCD1}">
-              <a14:hiddenFill xmlns="" xmlns:a14="http://schemas.microsoft.com/office/drawing/2010/main">
+              <a14:hiddenFill xmlns:a14="http://schemas.microsoft.com/office/drawing/2010/main" xmlns="">
                 <a:solidFill>
                   <a:schemeClr val="accent1"/>
                 </a:solidFill>
               </a14:hiddenFill>
             </a:ext>
             <a:ext uri="{91240B29-F687-4f45-9708-019B960494DF}">
-              <a14:hiddenLine xmlns="" xmlns:a14="http://schemas.microsoft.com/office/drawing/2010/main" w="9525">
+              <a14:hiddenLine xmlns:a14="http://schemas.microsoft.com/office/drawing/2010/main" xmlns="" w="9525">
                 <a:solidFill>
                   <a:schemeClr val="tx1"/>
                 </a:solidFill>
@@ -7408,7 +7394,7 @@
               </a14:hiddenLine>
             </a:ext>
             <a:ext uri="{AF507438-7753-43e0-B8FC-AC1667EBCBE1}">
-              <a14:hiddenEffects xmlns="" xmlns:a14="http://schemas.microsoft.com/office/drawing/2010/main">
+              <a14:hiddenEffects xmlns:a14="http://schemas.microsoft.com/office/drawing/2010/main" xmlns="">
                 <a:effectLst>
                   <a:outerShdw dist="35921" dir="2700000" algn="ctr" rotWithShape="0">
                     <a:schemeClr val="bg2"/>
@@ -7455,14 +7441,14 @@
           <a:effectLst/>
           <a:extLst>
             <a:ext uri="{909E8E84-426E-40dd-AFC4-6F175D3DCCD1}">
-              <a14:hiddenFill xmlns="" xmlns:a14="http://schemas.microsoft.com/office/drawing/2010/main">
+              <a14:hiddenFill xmlns:a14="http://schemas.microsoft.com/office/drawing/2010/main" xmlns="">
                 <a:solidFill>
                   <a:schemeClr val="accent1"/>
                 </a:solidFill>
               </a14:hiddenFill>
             </a:ext>
             <a:ext uri="{91240B29-F687-4f45-9708-019B960494DF}">
-              <a14:hiddenLine xmlns="" xmlns:a14="http://schemas.microsoft.com/office/drawing/2010/main" w="9525">
+              <a14:hiddenLine xmlns:a14="http://schemas.microsoft.com/office/drawing/2010/main" xmlns="" w="9525">
                 <a:solidFill>
                   <a:schemeClr val="tx1"/>
                 </a:solidFill>
@@ -7472,7 +7458,7 @@
               </a14:hiddenLine>
             </a:ext>
             <a:ext uri="{AF507438-7753-43e0-B8FC-AC1667EBCBE1}">
-              <a14:hiddenEffects xmlns="" xmlns:a14="http://schemas.microsoft.com/office/drawing/2010/main">
+              <a14:hiddenEffects xmlns:a14="http://schemas.microsoft.com/office/drawing/2010/main" xmlns="">
                 <a:effectLst>
                   <a:outerShdw dist="35921" dir="2700000" algn="ctr" rotWithShape="0">
                     <a:schemeClr val="bg2"/>
@@ -7807,7 +7793,7 @@
           <a:noFill/>
           <a:extLst>
             <a:ext uri="{909E8E84-426E-40dd-AFC4-6F175D3DCCD1}">
-              <a14:hiddenFill xmlns="" xmlns:a14="http://schemas.microsoft.com/office/drawing/2010/main">
+              <a14:hiddenFill xmlns:a14="http://schemas.microsoft.com/office/drawing/2010/main" xmlns="">
                 <a:solidFill>
                   <a:srgbClr val="FFFFFF"/>
                 </a:solidFill>
@@ -7846,7 +7832,7 @@
           <a:noFill/>
           <a:extLst>
             <a:ext uri="{909E8E84-426E-40dd-AFC4-6F175D3DCCD1}">
-              <a14:hiddenFill xmlns="" xmlns:a14="http://schemas.microsoft.com/office/drawing/2010/main">
+              <a14:hiddenFill xmlns:a14="http://schemas.microsoft.com/office/drawing/2010/main" xmlns="">
                 <a:solidFill>
                   <a:srgbClr val="FFFFFF"/>
                 </a:solidFill>
@@ -7898,7 +7884,7 @@
           <a:noFill/>
           <a:extLst>
             <a:ext uri="{909E8E84-426E-40dd-AFC4-6F175D3DCCD1}">
-              <a14:hiddenFill xmlns="" xmlns:a14="http://schemas.microsoft.com/office/drawing/2010/main">
+              <a14:hiddenFill xmlns:a14="http://schemas.microsoft.com/office/drawing/2010/main" xmlns="">
                 <a:solidFill>
                   <a:srgbClr val="FFFFFF"/>
                 </a:solidFill>
@@ -7939,7 +7925,7 @@
           <a:noFill/>
           <a:extLst>
             <a:ext uri="{909E8E84-426E-40dd-AFC4-6F175D3DCCD1}">
-              <a14:hiddenFill xmlns="" xmlns:a14="http://schemas.microsoft.com/office/drawing/2010/main">
+              <a14:hiddenFill xmlns:a14="http://schemas.microsoft.com/office/drawing/2010/main" xmlns="">
                 <a:solidFill>
                   <a:srgbClr val="FFFFFF"/>
                 </a:solidFill>
@@ -8027,14 +8013,14 @@
           <a:effectLst/>
           <a:extLst>
             <a:ext uri="{909E8E84-426E-40dd-AFC4-6F175D3DCCD1}">
-              <a14:hiddenFill xmlns="" xmlns:a14="http://schemas.microsoft.com/office/drawing/2010/main">
+              <a14:hiddenFill xmlns:a14="http://schemas.microsoft.com/office/drawing/2010/main" xmlns="">
                 <a:solidFill>
                   <a:schemeClr val="accent1"/>
                 </a:solidFill>
               </a14:hiddenFill>
             </a:ext>
             <a:ext uri="{91240B29-F687-4f45-9708-019B960494DF}">
-              <a14:hiddenLine xmlns="" xmlns:a14="http://schemas.microsoft.com/office/drawing/2010/main" w="9525">
+              <a14:hiddenLine xmlns:a14="http://schemas.microsoft.com/office/drawing/2010/main" xmlns="" w="9525">
                 <a:solidFill>
                   <a:schemeClr val="tx1"/>
                 </a:solidFill>
@@ -8044,7 +8030,7 @@
               </a14:hiddenLine>
             </a:ext>
             <a:ext uri="{AF507438-7753-43e0-B8FC-AC1667EBCBE1}">
-              <a14:hiddenEffects xmlns="" xmlns:a14="http://schemas.microsoft.com/office/drawing/2010/main">
+              <a14:hiddenEffects xmlns:a14="http://schemas.microsoft.com/office/drawing/2010/main" xmlns="">
                 <a:effectLst>
                   <a:outerShdw dist="35921" dir="2700000" algn="ctr" rotWithShape="0">
                     <a:schemeClr val="bg2"/>
@@ -8091,14 +8077,14 @@
           <a:effectLst/>
           <a:extLst>
             <a:ext uri="{909E8E84-426E-40dd-AFC4-6F175D3DCCD1}">
-              <a14:hiddenFill xmlns="" xmlns:a14="http://schemas.microsoft.com/office/drawing/2010/main">
+              <a14:hiddenFill xmlns:a14="http://schemas.microsoft.com/office/drawing/2010/main" xmlns="">
                 <a:solidFill>
                   <a:schemeClr val="accent1"/>
                 </a:solidFill>
               </a14:hiddenFill>
             </a:ext>
             <a:ext uri="{91240B29-F687-4f45-9708-019B960494DF}">
-              <a14:hiddenLine xmlns="" xmlns:a14="http://schemas.microsoft.com/office/drawing/2010/main" w="9525">
+              <a14:hiddenLine xmlns:a14="http://schemas.microsoft.com/office/drawing/2010/main" xmlns="" w="9525">
                 <a:solidFill>
                   <a:schemeClr val="tx1"/>
                 </a:solidFill>
@@ -8108,7 +8094,7 @@
               </a14:hiddenLine>
             </a:ext>
             <a:ext uri="{AF507438-7753-43e0-B8FC-AC1667EBCBE1}">
-              <a14:hiddenEffects xmlns="" xmlns:a14="http://schemas.microsoft.com/office/drawing/2010/main">
+              <a14:hiddenEffects xmlns:a14="http://schemas.microsoft.com/office/drawing/2010/main" xmlns="">
                 <a:effectLst>
                   <a:outerShdw dist="35921" dir="2700000" algn="ctr" rotWithShape="0">
                     <a:schemeClr val="bg2"/>
@@ -8375,7 +8361,7 @@
           <a:p>
             <a:fld id="{DD3575FE-2CC2-2845-A91B-203C440E7198}" type="datetimeFigureOut">
               <a:rPr lang="en-US" smtClean="0"/>
-              <a:t>11/5/2020</a:t>
+              <a:t>2020-11-05</a:t>
             </a:fld>
             <a:endParaRPr lang="en-US"/>
           </a:p>
@@ -8632,7 +8618,7 @@
           <a:p>
             <a:fld id="{DD3575FE-2CC2-2845-A91B-203C440E7198}" type="datetimeFigureOut">
               <a:rPr lang="en-US" smtClean="0"/>
-              <a:t>11/5/2020</a:t>
+              <a:t>2020-11-05</a:t>
             </a:fld>
             <a:endParaRPr lang="en-US"/>
           </a:p>
@@ -8936,7 +8922,7 @@
           <a:p>
             <a:fld id="{DD3575FE-2CC2-2845-A91B-203C440E7198}" type="datetimeFigureOut">
               <a:rPr lang="en-US" smtClean="0"/>
-              <a:t>11/5/2020</a:t>
+              <a:t>2020-11-05</a:t>
             </a:fld>
             <a:endParaRPr lang="en-US"/>
           </a:p>
@@ -9385,7 +9371,7 @@
           <a:p>
             <a:fld id="{DD3575FE-2CC2-2845-A91B-203C440E7198}" type="datetimeFigureOut">
               <a:rPr lang="en-US" smtClean="0"/>
-              <a:t>11/5/2020</a:t>
+              <a:t>2020-11-05</a:t>
             </a:fld>
             <a:endParaRPr lang="en-US"/>
           </a:p>
@@ -9519,7 +9505,7 @@
           <a:p>
             <a:fld id="{DD3575FE-2CC2-2845-A91B-203C440E7198}" type="datetimeFigureOut">
               <a:rPr lang="en-US" smtClean="0"/>
-              <a:t>11/5/2020</a:t>
+              <a:t>2020-11-05</a:t>
             </a:fld>
             <a:endParaRPr lang="en-US"/>
           </a:p>
@@ -9625,7 +9611,7 @@
           <a:p>
             <a:fld id="{DD3575FE-2CC2-2845-A91B-203C440E7198}" type="datetimeFigureOut">
               <a:rPr lang="en-US" smtClean="0"/>
-              <a:t>11/5/2020</a:t>
+              <a:t>2020-11-05</a:t>
             </a:fld>
             <a:endParaRPr lang="en-US"/>
           </a:p>
@@ -9974,7 +9960,7 @@
           <a:p>
             <a:fld id="{DD3575FE-2CC2-2845-A91B-203C440E7198}" type="datetimeFigureOut">
               <a:rPr lang="en-US" smtClean="0"/>
-              <a:t>11/5/2020</a:t>
+              <a:t>2020-11-05</a:t>
             </a:fld>
             <a:endParaRPr lang="en-US"/>
           </a:p>
@@ -11095,7 +11081,7 @@
         </p:blipFill>
         <p:spPr>
           <a:xfrm>
-            <a:off x="1617777" y="2556050"/>
+            <a:off x="1761405" y="2504751"/>
             <a:ext cx="3971258" cy="1283760"/>
           </a:xfrm>
           <a:prstGeom prst="rect">
@@ -11117,7 +11103,7 @@
         </p:nvSpPr>
         <p:spPr>
           <a:xfrm>
-            <a:off x="5193360" y="2828599"/>
+            <a:off x="5360680" y="2689416"/>
             <a:ext cx="219900" cy="307777"/>
           </a:xfrm>
           <a:prstGeom prst="rect">
